--- a/section_1/powerpoint_lectures/CDS-SR scRNA-seq workshop_scRNA-seq Analysis_seurat_integration_pipeline.pptx
+++ b/section_1/powerpoint_lectures/CDS-SR scRNA-seq workshop_scRNA-seq Analysis_seurat_integration_pipeline.pptx
@@ -217,7 +217,7 @@
           <a:p>
             <a:fld id="{832AEB5B-6A09-427F-BD9B-8F3B5579D5FF}" type="datetimeFigureOut">
               <a:rPr lang="en-US" smtClean="0"/>
-              <a:t>4/17/2022</a:t>
+              <a:t>4/18/2022</a:t>
             </a:fld>
             <a:endParaRPr lang="en-US"/>
           </a:p>
@@ -2578,7 +2578,7 @@
           <a:p>
             <a:fld id="{742AC5B5-2124-46B8-9691-06C85C1E11AE}" type="datetimeFigureOut">
               <a:rPr lang="en-US" smtClean="0"/>
-              <a:t>4/17/2022</a:t>
+              <a:t>4/18/2022</a:t>
             </a:fld>
             <a:endParaRPr lang="en-US"/>
           </a:p>
@@ -2776,7 +2776,7 @@
           <a:p>
             <a:fld id="{742AC5B5-2124-46B8-9691-06C85C1E11AE}" type="datetimeFigureOut">
               <a:rPr lang="en-US" smtClean="0"/>
-              <a:t>4/17/2022</a:t>
+              <a:t>4/18/2022</a:t>
             </a:fld>
             <a:endParaRPr lang="en-US"/>
           </a:p>
@@ -2984,7 +2984,7 @@
           <a:p>
             <a:fld id="{742AC5B5-2124-46B8-9691-06C85C1E11AE}" type="datetimeFigureOut">
               <a:rPr lang="en-US" smtClean="0"/>
-              <a:t>4/17/2022</a:t>
+              <a:t>4/18/2022</a:t>
             </a:fld>
             <a:endParaRPr lang="en-US"/>
           </a:p>
@@ -3182,7 +3182,7 @@
           <a:p>
             <a:fld id="{742AC5B5-2124-46B8-9691-06C85C1E11AE}" type="datetimeFigureOut">
               <a:rPr lang="en-US" smtClean="0"/>
-              <a:t>4/17/2022</a:t>
+              <a:t>4/18/2022</a:t>
             </a:fld>
             <a:endParaRPr lang="en-US"/>
           </a:p>
@@ -3457,7 +3457,7 @@
           <a:p>
             <a:fld id="{742AC5B5-2124-46B8-9691-06C85C1E11AE}" type="datetimeFigureOut">
               <a:rPr lang="en-US" smtClean="0"/>
-              <a:t>4/17/2022</a:t>
+              <a:t>4/18/2022</a:t>
             </a:fld>
             <a:endParaRPr lang="en-US"/>
           </a:p>
@@ -3722,7 +3722,7 @@
           <a:p>
             <a:fld id="{742AC5B5-2124-46B8-9691-06C85C1E11AE}" type="datetimeFigureOut">
               <a:rPr lang="en-US" smtClean="0"/>
-              <a:t>4/17/2022</a:t>
+              <a:t>4/18/2022</a:t>
             </a:fld>
             <a:endParaRPr lang="en-US"/>
           </a:p>
@@ -4134,7 +4134,7 @@
           <a:p>
             <a:fld id="{742AC5B5-2124-46B8-9691-06C85C1E11AE}" type="datetimeFigureOut">
               <a:rPr lang="en-US" smtClean="0"/>
-              <a:t>4/17/2022</a:t>
+              <a:t>4/18/2022</a:t>
             </a:fld>
             <a:endParaRPr lang="en-US"/>
           </a:p>
@@ -4275,7 +4275,7 @@
           <a:p>
             <a:fld id="{742AC5B5-2124-46B8-9691-06C85C1E11AE}" type="datetimeFigureOut">
               <a:rPr lang="en-US" smtClean="0"/>
-              <a:t>4/17/2022</a:t>
+              <a:t>4/18/2022</a:t>
             </a:fld>
             <a:endParaRPr lang="en-US"/>
           </a:p>
@@ -4388,7 +4388,7 @@
           <a:p>
             <a:fld id="{742AC5B5-2124-46B8-9691-06C85C1E11AE}" type="datetimeFigureOut">
               <a:rPr lang="en-US" smtClean="0"/>
-              <a:t>4/17/2022</a:t>
+              <a:t>4/18/2022</a:t>
             </a:fld>
             <a:endParaRPr lang="en-US"/>
           </a:p>
@@ -4699,7 +4699,7 @@
           <a:p>
             <a:fld id="{742AC5B5-2124-46B8-9691-06C85C1E11AE}" type="datetimeFigureOut">
               <a:rPr lang="en-US" smtClean="0"/>
-              <a:t>4/17/2022</a:t>
+              <a:t>4/18/2022</a:t>
             </a:fld>
             <a:endParaRPr lang="en-US"/>
           </a:p>
@@ -4987,7 +4987,7 @@
           <a:p>
             <a:fld id="{742AC5B5-2124-46B8-9691-06C85C1E11AE}" type="datetimeFigureOut">
               <a:rPr lang="en-US" smtClean="0"/>
-              <a:t>4/17/2022</a:t>
+              <a:t>4/18/2022</a:t>
             </a:fld>
             <a:endParaRPr lang="en-US"/>
           </a:p>
@@ -5228,7 +5228,7 @@
           <a:p>
             <a:fld id="{742AC5B5-2124-46B8-9691-06C85C1E11AE}" type="datetimeFigureOut">
               <a:rPr lang="en-US" smtClean="0"/>
-              <a:t>4/17/2022</a:t>
+              <a:t>4/18/2022</a:t>
             </a:fld>
             <a:endParaRPr lang="en-US"/>
           </a:p>
